--- a/Document/新規トラップ案 12.pptx
+++ b/Document/新規トラップ案 12.pptx
@@ -1783,7 +1783,7 @@
           <a:p>
             <a:fld id="{B146861F-B84E-4F8F-B778-4C6AB3A412B9}" type="datetimeFigureOut">
               <a:rPr kumimoji="1" lang="ja-JP" altLang="en-US" smtClean="0"/>
-              <a:t>2025/12/20</a:t>
+              <a:t>2026/1/21</a:t>
             </a:fld>
             <a:endParaRPr kumimoji="1" lang="ja-JP" altLang="en-US"/>
           </a:p>
@@ -2013,7 +2013,7 @@
           <a:p>
             <a:fld id="{B146861F-B84E-4F8F-B778-4C6AB3A412B9}" type="datetimeFigureOut">
               <a:rPr kumimoji="1" lang="ja-JP" altLang="en-US" smtClean="0"/>
-              <a:t>2025/12/20</a:t>
+              <a:t>2026/1/21</a:t>
             </a:fld>
             <a:endParaRPr kumimoji="1" lang="ja-JP" altLang="en-US"/>
           </a:p>
@@ -2253,7 +2253,7 @@
           <a:p>
             <a:fld id="{B146861F-B84E-4F8F-B778-4C6AB3A412B9}" type="datetimeFigureOut">
               <a:rPr kumimoji="1" lang="ja-JP" altLang="en-US" smtClean="0"/>
-              <a:t>2025/12/20</a:t>
+              <a:t>2026/1/21</a:t>
             </a:fld>
             <a:endParaRPr kumimoji="1" lang="ja-JP" altLang="en-US"/>
           </a:p>
@@ -2483,7 +2483,7 @@
           <a:p>
             <a:fld id="{B146861F-B84E-4F8F-B778-4C6AB3A412B9}" type="datetimeFigureOut">
               <a:rPr kumimoji="1" lang="ja-JP" altLang="en-US" smtClean="0"/>
-              <a:t>2025/12/20</a:t>
+              <a:t>2026/1/21</a:t>
             </a:fld>
             <a:endParaRPr kumimoji="1" lang="ja-JP" altLang="en-US"/>
           </a:p>
@@ -2758,7 +2758,7 @@
           <a:p>
             <a:fld id="{B146861F-B84E-4F8F-B778-4C6AB3A412B9}" type="datetimeFigureOut">
               <a:rPr kumimoji="1" lang="ja-JP" altLang="en-US" smtClean="0"/>
-              <a:t>2025/12/20</a:t>
+              <a:t>2026/1/21</a:t>
             </a:fld>
             <a:endParaRPr kumimoji="1" lang="ja-JP" altLang="en-US"/>
           </a:p>
@@ -3087,7 +3087,7 @@
           <a:p>
             <a:fld id="{B146861F-B84E-4F8F-B778-4C6AB3A412B9}" type="datetimeFigureOut">
               <a:rPr kumimoji="1" lang="ja-JP" altLang="en-US" smtClean="0"/>
-              <a:t>2025/12/20</a:t>
+              <a:t>2026/1/21</a:t>
             </a:fld>
             <a:endParaRPr kumimoji="1" lang="ja-JP" altLang="en-US"/>
           </a:p>
@@ -3563,7 +3563,7 @@
           <a:p>
             <a:fld id="{B146861F-B84E-4F8F-B778-4C6AB3A412B9}" type="datetimeFigureOut">
               <a:rPr kumimoji="1" lang="ja-JP" altLang="en-US" smtClean="0"/>
-              <a:t>2025/12/20</a:t>
+              <a:t>2026/1/21</a:t>
             </a:fld>
             <a:endParaRPr kumimoji="1" lang="ja-JP" altLang="en-US"/>
           </a:p>
@@ -3704,7 +3704,7 @@
           <a:p>
             <a:fld id="{B146861F-B84E-4F8F-B778-4C6AB3A412B9}" type="datetimeFigureOut">
               <a:rPr kumimoji="1" lang="ja-JP" altLang="en-US" smtClean="0"/>
-              <a:t>2025/12/20</a:t>
+              <a:t>2026/1/21</a:t>
             </a:fld>
             <a:endParaRPr kumimoji="1" lang="ja-JP" altLang="en-US"/>
           </a:p>
@@ -3817,7 +3817,7 @@
           <a:p>
             <a:fld id="{B146861F-B84E-4F8F-B778-4C6AB3A412B9}" type="datetimeFigureOut">
               <a:rPr kumimoji="1" lang="ja-JP" altLang="en-US" smtClean="0"/>
-              <a:t>2025/12/20</a:t>
+              <a:t>2026/1/21</a:t>
             </a:fld>
             <a:endParaRPr kumimoji="1" lang="ja-JP" altLang="en-US"/>
           </a:p>
@@ -4160,7 +4160,7 @@
           <a:p>
             <a:fld id="{B146861F-B84E-4F8F-B778-4C6AB3A412B9}" type="datetimeFigureOut">
               <a:rPr kumimoji="1" lang="ja-JP" altLang="en-US" smtClean="0"/>
-              <a:t>2025/12/20</a:t>
+              <a:t>2026/1/21</a:t>
             </a:fld>
             <a:endParaRPr kumimoji="1" lang="ja-JP" altLang="en-US"/>
           </a:p>
@@ -4448,7 +4448,7 @@
           <a:p>
             <a:fld id="{B146861F-B84E-4F8F-B778-4C6AB3A412B9}" type="datetimeFigureOut">
               <a:rPr kumimoji="1" lang="ja-JP" altLang="en-US" smtClean="0"/>
-              <a:t>2025/12/20</a:t>
+              <a:t>2026/1/21</a:t>
             </a:fld>
             <a:endParaRPr kumimoji="1" lang="ja-JP" altLang="en-US"/>
           </a:p>
@@ -4721,7 +4721,7 @@
           <a:p>
             <a:fld id="{B146861F-B84E-4F8F-B778-4C6AB3A412B9}" type="datetimeFigureOut">
               <a:rPr kumimoji="1" lang="ja-JP" altLang="en-US" smtClean="0"/>
-              <a:t>2025/12/20</a:t>
+              <a:t>2026/1/21</a:t>
             </a:fld>
             <a:endParaRPr kumimoji="1" lang="ja-JP" altLang="en-US"/>
           </a:p>
@@ -6048,8 +6048,8 @@
         </p:nvSpPr>
         <p:spPr>
           <a:xfrm>
-            <a:off x="63795" y="217968"/>
-            <a:ext cx="9691577" cy="6217087"/>
+            <a:off x="410008" y="43458"/>
+            <a:ext cx="4852610" cy="6771084"/>
           </a:xfrm>
           <a:prstGeom prst="rect">
             <a:avLst/>
@@ -6057,57 +6057,17 @@
           <a:noFill/>
         </p:spPr>
         <p:txBody>
-          <a:bodyPr wrap="square" rtlCol="0">
+          <a:bodyPr wrap="none" rtlCol="0">
             <a:spAutoFit/>
           </a:bodyPr>
           <a:lstStyle/>
           <a:p>
             <a:r>
-              <a:rPr kumimoji="1" lang="ja-JP" altLang="en-US" sz="1800" dirty="0">
+              <a:rPr kumimoji="1" lang="ja-JP" altLang="en-US" sz="1400" dirty="0">
                 <a:latin typeface="HGS創英角ｺﾞｼｯｸUB" panose="020B0900000000000000" pitchFamily="50" charset="-128"/>
                 <a:ea typeface="HGS創英角ｺﾞｼｯｸUB" panose="020B0900000000000000" pitchFamily="50" charset="-128"/>
               </a:rPr>
               <a:t>ランク別一言メッセージ案</a:t>
-            </a:r>
-            <a:endParaRPr kumimoji="1" lang="en-US" altLang="ja-JP" sz="1800" dirty="0">
-              <a:latin typeface="HGS創英角ｺﾞｼｯｸUB" panose="020B0900000000000000" pitchFamily="50" charset="-128"/>
-              <a:ea typeface="HGS創英角ｺﾞｼｯｸUB" panose="020B0900000000000000" pitchFamily="50" charset="-128"/>
-            </a:endParaRPr>
-          </a:p>
-          <a:p>
-            <a:r>
-              <a:rPr kumimoji="1" lang="ja-JP" altLang="en-US" sz="1800" dirty="0">
-                <a:latin typeface="HGS創英角ｺﾞｼｯｸUB" panose="020B0900000000000000" pitchFamily="50" charset="-128"/>
-                <a:ea typeface="HGS創英角ｺﾞｼｯｸUB" panose="020B0900000000000000" pitchFamily="50" charset="-128"/>
-              </a:rPr>
-              <a:t>各ランク</a:t>
-            </a:r>
-            <a:r>
-              <a:rPr kumimoji="1" lang="en-US" altLang="ja-JP" sz="1800" dirty="0">
-                <a:latin typeface="HGS創英角ｺﾞｼｯｸUB" panose="020B0900000000000000" pitchFamily="50" charset="-128"/>
-                <a:ea typeface="HGS創英角ｺﾞｼｯｸUB" panose="020B0900000000000000" pitchFamily="50" charset="-128"/>
-              </a:rPr>
-              <a:t>4</a:t>
-            </a:r>
-            <a:r>
-              <a:rPr kumimoji="1" lang="ja-JP" altLang="en-US" sz="1800" dirty="0">
-                <a:latin typeface="HGS創英角ｺﾞｼｯｸUB" panose="020B0900000000000000" pitchFamily="50" charset="-128"/>
-                <a:ea typeface="HGS創英角ｺﾞｼｯｸUB" panose="020B0900000000000000" pitchFamily="50" charset="-128"/>
-              </a:rPr>
-              <a:t>つずつ</a:t>
-            </a:r>
-            <a:endParaRPr kumimoji="1" lang="en-US" altLang="ja-JP" sz="1800" dirty="0">
-              <a:latin typeface="HGS創英角ｺﾞｼｯｸUB" panose="020B0900000000000000" pitchFamily="50" charset="-128"/>
-              <a:ea typeface="HGS創英角ｺﾞｼｯｸUB" panose="020B0900000000000000" pitchFamily="50" charset="-128"/>
-            </a:endParaRPr>
-          </a:p>
-          <a:p>
-            <a:r>
-              <a:rPr kumimoji="1" lang="ja-JP" altLang="en-US" sz="1400" dirty="0">
-                <a:latin typeface="HGS創英角ｺﾞｼｯｸUB" panose="020B0900000000000000" pitchFamily="50" charset="-128"/>
-                <a:ea typeface="HGS創英角ｺﾞｼｯｸUB" panose="020B0900000000000000" pitchFamily="50" charset="-128"/>
-              </a:rPr>
-              <a:t>簡単コースと難しいコースでメッセージ内容分ける。</a:t>
             </a:r>
             <a:endParaRPr kumimoji="1" lang="en-US" altLang="ja-JP" sz="1400" dirty="0">
               <a:latin typeface="HGS創英角ｺﾞｼｯｸUB" panose="020B0900000000000000" pitchFamily="50" charset="-128"/>
@@ -6116,7 +6076,47 @@
           </a:p>
           <a:p>
             <a:r>
-              <a:rPr lang="ja-JP" altLang="en-US" dirty="0">
+              <a:rPr kumimoji="1" lang="ja-JP" altLang="en-US" sz="1400" dirty="0">
+                <a:latin typeface="HGS創英角ｺﾞｼｯｸUB" panose="020B0900000000000000" pitchFamily="50" charset="-128"/>
+                <a:ea typeface="HGS創英角ｺﾞｼｯｸUB" panose="020B0900000000000000" pitchFamily="50" charset="-128"/>
+              </a:rPr>
+              <a:t>各ランク</a:t>
+            </a:r>
+            <a:r>
+              <a:rPr kumimoji="1" lang="en-US" altLang="ja-JP" sz="1400" dirty="0">
+                <a:latin typeface="HGS創英角ｺﾞｼｯｸUB" panose="020B0900000000000000" pitchFamily="50" charset="-128"/>
+                <a:ea typeface="HGS創英角ｺﾞｼｯｸUB" panose="020B0900000000000000" pitchFamily="50" charset="-128"/>
+              </a:rPr>
+              <a:t>4</a:t>
+            </a:r>
+            <a:r>
+              <a:rPr kumimoji="1" lang="ja-JP" altLang="en-US" sz="1400" dirty="0">
+                <a:latin typeface="HGS創英角ｺﾞｼｯｸUB" panose="020B0900000000000000" pitchFamily="50" charset="-128"/>
+                <a:ea typeface="HGS創英角ｺﾞｼｯｸUB" panose="020B0900000000000000" pitchFamily="50" charset="-128"/>
+              </a:rPr>
+              <a:t>つずつ</a:t>
+            </a:r>
+            <a:endParaRPr kumimoji="1" lang="en-US" altLang="ja-JP" sz="1400" dirty="0">
+              <a:latin typeface="HGS創英角ｺﾞｼｯｸUB" panose="020B0900000000000000" pitchFamily="50" charset="-128"/>
+              <a:ea typeface="HGS創英角ｺﾞｼｯｸUB" panose="020B0900000000000000" pitchFamily="50" charset="-128"/>
+            </a:endParaRPr>
+          </a:p>
+          <a:p>
+            <a:r>
+              <a:rPr kumimoji="1" lang="ja-JP" altLang="en-US" sz="1400" dirty="0">
+                <a:latin typeface="HGS創英角ｺﾞｼｯｸUB" panose="020B0900000000000000" pitchFamily="50" charset="-128"/>
+                <a:ea typeface="HGS創英角ｺﾞｼｯｸUB" panose="020B0900000000000000" pitchFamily="50" charset="-128"/>
+              </a:rPr>
+              <a:t>簡単コースと難しいコースでメッセージ内容分ける。</a:t>
+            </a:r>
+            <a:endParaRPr kumimoji="1" lang="en-US" altLang="ja-JP" sz="1400" dirty="0">
+              <a:latin typeface="HGS創英角ｺﾞｼｯｸUB" panose="020B0900000000000000" pitchFamily="50" charset="-128"/>
+              <a:ea typeface="HGS創英角ｺﾞｼｯｸUB" panose="020B0900000000000000" pitchFamily="50" charset="-128"/>
+            </a:endParaRPr>
+          </a:p>
+          <a:p>
+            <a:r>
+              <a:rPr lang="ja-JP" altLang="en-US" sz="1400" dirty="0">
                 <a:solidFill>
                   <a:srgbClr val="92D050"/>
                 </a:solidFill>
@@ -6125,7 +6125,7 @@
               </a:rPr>
               <a:t>簡単コース</a:t>
             </a:r>
-            <a:endParaRPr kumimoji="1" lang="en-US" altLang="ja-JP" dirty="0">
+            <a:endParaRPr kumimoji="1" lang="en-US" altLang="ja-JP" sz="1400" dirty="0">
               <a:solidFill>
                 <a:srgbClr val="92D050"/>
               </a:solidFill>
@@ -6525,44 +6525,6 @@
             </a:endParaRPr>
           </a:p>
           <a:p>
-            <a:endParaRPr kumimoji="1" lang="en-US" altLang="ja-JP" sz="1800" dirty="0">
-              <a:latin typeface="HGS創英角ｺﾞｼｯｸUB" panose="020B0900000000000000" pitchFamily="50" charset="-128"/>
-              <a:ea typeface="HGS創英角ｺﾞｼｯｸUB" panose="020B0900000000000000" pitchFamily="50" charset="-128"/>
-            </a:endParaRPr>
-          </a:p>
-          <a:p>
-            <a:endParaRPr kumimoji="1" lang="ja-JP" altLang="en-US" dirty="0"/>
-          </a:p>
-        </p:txBody>
-      </p:sp>
-      <p:sp>
-        <p:nvSpPr>
-          <p:cNvPr id="4" name="テキスト ボックス 3">
-            <a:extLst>
-              <a:ext uri="{FF2B5EF4-FFF2-40B4-BE49-F238E27FC236}">
-                <a16:creationId xmlns:a16="http://schemas.microsoft.com/office/drawing/2014/main" id="{40285C71-B263-4D05-9CAF-AB87D0D588DF}"/>
-              </a:ext>
-            </a:extLst>
-          </p:cNvPr>
-          <p:cNvSpPr txBox="1"/>
-          <p:nvPr/>
-        </p:nvSpPr>
-        <p:spPr>
-          <a:xfrm>
-            <a:off x="181639" y="5761030"/>
-            <a:ext cx="3716079" cy="1446550"/>
-          </a:xfrm>
-          <a:prstGeom prst="rect">
-            <a:avLst/>
-          </a:prstGeom>
-          <a:noFill/>
-        </p:spPr>
-        <p:txBody>
-          <a:bodyPr wrap="square" rtlCol="0">
-            <a:spAutoFit/>
-          </a:bodyPr>
-          <a:lstStyle/>
-          <a:p>
             <a:r>
               <a:rPr lang="en-US" altLang="ja-JP" sz="1400" dirty="0">
                 <a:latin typeface="HGS創英角ｺﾞｼｯｸUB" panose="020B0900000000000000" pitchFamily="50" charset="-128"/>
@@ -6647,9 +6609,6 @@
               <a:latin typeface="HGS創英角ｺﾞｼｯｸUB" panose="020B0900000000000000" pitchFamily="50" charset="-128"/>
               <a:ea typeface="HGS創英角ｺﾞｼｯｸUB" panose="020B0900000000000000" pitchFamily="50" charset="-128"/>
             </a:endParaRPr>
-          </a:p>
-          <a:p>
-            <a:endParaRPr kumimoji="1" lang="ja-JP" altLang="en-US" dirty="0"/>
           </a:p>
         </p:txBody>
       </p:sp>
@@ -6667,8 +6626,8 @@
         </p:nvSpPr>
         <p:spPr>
           <a:xfrm>
-            <a:off x="6191693" y="217968"/>
-            <a:ext cx="6156251" cy="6093976"/>
+            <a:off x="5672626" y="520512"/>
+            <a:ext cx="6109365" cy="5816977"/>
           </a:xfrm>
           <a:prstGeom prst="rect">
             <a:avLst/>
@@ -6676,13 +6635,13 @@
           <a:noFill/>
         </p:spPr>
         <p:txBody>
-          <a:bodyPr wrap="square" rtlCol="0">
+          <a:bodyPr wrap="none" rtlCol="0">
             <a:spAutoFit/>
           </a:bodyPr>
           <a:lstStyle/>
           <a:p>
             <a:r>
-              <a:rPr kumimoji="1" lang="ja-JP" altLang="en-US" dirty="0">
+              <a:rPr kumimoji="1" lang="ja-JP" altLang="en-US" sz="1400" dirty="0">
                 <a:solidFill>
                   <a:srgbClr val="FF0000"/>
                 </a:solidFill>
@@ -6691,7 +6650,7 @@
               </a:rPr>
               <a:t>難しいコース</a:t>
             </a:r>
-            <a:endParaRPr kumimoji="1" lang="en-US" altLang="ja-JP" dirty="0">
+            <a:endParaRPr kumimoji="1" lang="en-US" altLang="ja-JP" sz="1400" dirty="0">
               <a:solidFill>
                 <a:srgbClr val="FF0000"/>
               </a:solidFill>
@@ -6735,18 +6694,11 @@
           </a:p>
           <a:p>
             <a:r>
-              <a:rPr kumimoji="1" lang="ja-JP" altLang="en-US" dirty="0">
-                <a:latin typeface="HGS創英角ｺﾞｼｯｸUB" panose="020B0900000000000000" pitchFamily="50" charset="-128"/>
-                <a:ea typeface="HGS創英角ｺﾞｼｯｸUB" panose="020B0900000000000000" pitchFamily="50" charset="-128"/>
-              </a:rPr>
-              <a:t>・</a:t>
-            </a:r>
-            <a:r>
               <a:rPr kumimoji="1" lang="ja-JP" altLang="en-US" sz="1400" dirty="0">
                 <a:latin typeface="HGS創英角ｺﾞｼｯｸUB" panose="020B0900000000000000" pitchFamily="50" charset="-128"/>
                 <a:ea typeface="HGS創英角ｺﾞｼｯｸUB" panose="020B0900000000000000" pitchFamily="50" charset="-128"/>
               </a:rPr>
-              <a:t>なんだろう、チート使うのやめてもらっていいですか？</a:t>
+              <a:t>・なんだろう、チート使うのやめてもらっていいですか？</a:t>
             </a:r>
             <a:endParaRPr kumimoji="1" lang="en-US" altLang="ja-JP" sz="1400" dirty="0">
               <a:latin typeface="HGS創英角ｺﾞｼｯｸUB" panose="020B0900000000000000" pitchFamily="50" charset="-128"/>
@@ -7219,9 +7171,6 @@
               <a:latin typeface="HGS創英角ｺﾞｼｯｸUB" panose="020B0900000000000000" pitchFamily="50" charset="-128"/>
               <a:ea typeface="HGS創英角ｺﾞｼｯｸUB" panose="020B0900000000000000" pitchFamily="50" charset="-128"/>
             </a:endParaRPr>
-          </a:p>
-          <a:p>
-            <a:endParaRPr kumimoji="1" lang="en-US" altLang="ja-JP" dirty="0"/>
           </a:p>
         </p:txBody>
       </p:sp>
@@ -16029,7 +15978,7 @@
         </p:nvSpPr>
         <p:spPr>
           <a:xfrm>
-            <a:off x="37254" y="501019"/>
+            <a:off x="168349" y="344431"/>
             <a:ext cx="11855302" cy="6169139"/>
           </a:xfrm>
           <a:prstGeom prst="rect">
@@ -16061,7 +16010,7 @@
           </a:fontRef>
         </p:style>
         <p:txBody>
-          <a:bodyPr rtlCol="0" anchor="ctr"/>
+          <a:bodyPr wrap="none" rtlCol="0" anchor="ctr"/>
           <a:lstStyle/>
           <a:p>
             <a:pPr algn="ctr"/>
@@ -16083,8 +16032,8 @@
         </p:nvSpPr>
         <p:spPr>
           <a:xfrm>
-            <a:off x="1100470" y="1408262"/>
-            <a:ext cx="10015870" cy="1107996"/>
+            <a:off x="3520616" y="1408262"/>
+            <a:ext cx="5150769" cy="1107996"/>
           </a:xfrm>
           <a:prstGeom prst="rect">
             <a:avLst/>
@@ -16092,7 +16041,7 @@
           <a:noFill/>
         </p:spPr>
         <p:txBody>
-          <a:bodyPr wrap="square" rtlCol="0">
+          <a:bodyPr wrap="none" rtlCol="0" anchor="ctr" anchorCtr="1">
             <a:spAutoFit/>
           </a:bodyPr>
           <a:lstStyle/>
@@ -16128,7 +16077,7 @@
         </p:nvSpPr>
         <p:spPr>
           <a:xfrm>
-            <a:off x="5085907" y="4152841"/>
+            <a:off x="5085907" y="4100591"/>
             <a:ext cx="2020186" cy="308345"/>
           </a:xfrm>
           <a:prstGeom prst="rect">
@@ -16155,7 +16104,7 @@
           </a:fontRef>
         </p:style>
         <p:txBody>
-          <a:bodyPr rtlCol="0" anchor="ctr"/>
+          <a:bodyPr wrap="square" rtlCol="0" anchor="ctr" anchorCtr="1"/>
           <a:lstStyle/>
           <a:p>
             <a:r>
@@ -16188,7 +16137,7 @@
         </p:nvSpPr>
         <p:spPr>
           <a:xfrm>
-            <a:off x="5098312" y="4878571"/>
+            <a:off x="5085907" y="4826321"/>
             <a:ext cx="2020186" cy="308345"/>
           </a:xfrm>
           <a:prstGeom prst="rect">
@@ -16215,7 +16164,7 @@
           </a:fontRef>
         </p:style>
         <p:txBody>
-          <a:bodyPr rtlCol="0" anchor="ctr"/>
+          <a:bodyPr wrap="square" rtlCol="0" anchor="ctr" anchorCtr="1"/>
           <a:lstStyle/>
           <a:p>
             <a:r>
@@ -16243,8 +16192,8 @@
         </p:nvSpPr>
         <p:spPr>
           <a:xfrm>
-            <a:off x="2958741" y="2283121"/>
-            <a:ext cx="7221278" cy="1477328"/>
+            <a:off x="3002846" y="2296183"/>
+            <a:ext cx="6186309" cy="369332"/>
           </a:xfrm>
           <a:prstGeom prst="rect">
             <a:avLst/>
@@ -16252,7 +16201,7 @@
           <a:noFill/>
         </p:spPr>
         <p:txBody>
-          <a:bodyPr wrap="square" rtlCol="0">
+          <a:bodyPr wrap="none" rtlCol="0" anchor="ctr" anchorCtr="1">
             <a:spAutoFit/>
           </a:bodyPr>
           <a:lstStyle/>
@@ -16263,22 +16212,6 @@
               <a:t>一言メッセージ：５回毎にランダムで画面に表示される。</a:t>
             </a:r>
             <a:endParaRPr lang="en-US" altLang="ja-JP" dirty="0"/>
-          </a:p>
-          <a:p>
-            <a:pPr algn="ctr"/>
-            <a:endParaRPr lang="en-US" altLang="ja-JP" dirty="0"/>
-          </a:p>
-          <a:p>
-            <a:pPr algn="ctr"/>
-            <a:endParaRPr lang="en-US" altLang="ja-JP" dirty="0"/>
-          </a:p>
-          <a:p>
-            <a:pPr algn="ctr"/>
-            <a:endParaRPr lang="en-US" altLang="ja-JP" dirty="0"/>
-          </a:p>
-          <a:p>
-            <a:pPr algn="ctr"/>
-            <a:endParaRPr kumimoji="1" lang="ja-JP" altLang="en-US" dirty="0"/>
           </a:p>
         </p:txBody>
       </p:sp>
@@ -16296,7 +16229,7 @@
         </p:nvSpPr>
         <p:spPr>
           <a:xfrm>
-            <a:off x="935178" y="2189854"/>
+            <a:off x="837209" y="1466013"/>
             <a:ext cx="2400342" cy="3925974"/>
           </a:xfrm>
           <a:prstGeom prst="rect">
@@ -16349,8 +16282,8 @@
         </p:nvSpPr>
         <p:spPr>
           <a:xfrm>
-            <a:off x="810733" y="573075"/>
-            <a:ext cx="10861158" cy="2031325"/>
+            <a:off x="331441" y="437604"/>
+            <a:ext cx="11529118" cy="523220"/>
           </a:xfrm>
           <a:prstGeom prst="rect">
             <a:avLst/>
@@ -16358,52 +16291,43 @@
           <a:noFill/>
         </p:spPr>
         <p:txBody>
-          <a:bodyPr wrap="square" rtlCol="0">
+          <a:bodyPr wrap="none" rtlCol="0">
             <a:spAutoFit/>
           </a:bodyPr>
           <a:lstStyle/>
           <a:p>
             <a:r>
-              <a:rPr kumimoji="1" lang="en-US" altLang="ja-JP" dirty="0"/>
+              <a:rPr kumimoji="1" lang="en-US" altLang="ja-JP" sz="1400" dirty="0"/>
               <a:t>GAME OVER</a:t>
             </a:r>
             <a:r>
-              <a:rPr kumimoji="1" lang="ja-JP" altLang="en-US" dirty="0"/>
-              <a:t>画面について　死亡演出が入り、残機が０になったら　遷移の仕方は</a:t>
-            </a:r>
-            <a:r>
-              <a:rPr lang="ja-JP" altLang="en-US" dirty="0"/>
+              <a:rPr kumimoji="1" lang="ja-JP" altLang="en-US" sz="1400" dirty="0"/>
+              <a:t>画面について　死亡演出が入り、残機が０になったら遷移の仕方は</a:t>
+            </a:r>
+            <a:r>
+              <a:rPr lang="ja-JP" altLang="en-US" sz="1400" dirty="0"/>
               <a:t>ゆっくりとフェードアウトしていく。</a:t>
             </a:r>
-            <a:r>
-              <a:rPr kumimoji="1" lang="en-US" altLang="ja-JP" dirty="0"/>
+            <a:endParaRPr lang="en-US" altLang="ja-JP" sz="1400" dirty="0"/>
+          </a:p>
+          <a:p>
+            <a:r>
+              <a:rPr kumimoji="1" lang="en-US" altLang="ja-JP" sz="1400" dirty="0"/>
               <a:t>GAME OVER</a:t>
             </a:r>
             <a:r>
-              <a:rPr kumimoji="1" lang="ja-JP" altLang="en-US" dirty="0"/>
-              <a:t>の文字が　ズーム、グローとターン、バウンド、下からスライドイン　の４つをランダムで表示。それっぽい</a:t>
-            </a:r>
-            <a:r>
-              <a:rPr kumimoji="1" lang="en-US" altLang="ja-JP" dirty="0"/>
+              <a:rPr kumimoji="1" lang="ja-JP" altLang="en-US" sz="1400" dirty="0"/>
+              <a:t>の文字が　ズーム、グローとターン、バウンド、下からスライドインの４つをランダムで表示。それっぽい</a:t>
+            </a:r>
+            <a:r>
+              <a:rPr kumimoji="1" lang="en-US" altLang="ja-JP" sz="1400" dirty="0"/>
               <a:t>BGM</a:t>
             </a:r>
             <a:r>
-              <a:rPr lang="ja-JP" altLang="en-US" dirty="0"/>
+              <a:rPr lang="ja-JP" altLang="en-US" sz="1400" dirty="0"/>
               <a:t>を流しながら。</a:t>
             </a:r>
-            <a:endParaRPr kumimoji="1" lang="en-US" altLang="ja-JP" dirty="0"/>
-          </a:p>
-          <a:p>
-            <a:endParaRPr kumimoji="1" lang="en-US" altLang="ja-JP" dirty="0"/>
-          </a:p>
-          <a:p>
-            <a:endParaRPr kumimoji="1" lang="en-US" altLang="ja-JP" dirty="0"/>
-          </a:p>
-          <a:p>
-            <a:endParaRPr lang="en-US" altLang="ja-JP" dirty="0"/>
-          </a:p>
-          <a:p>
-            <a:endParaRPr kumimoji="1" lang="en-US" altLang="ja-JP" dirty="0"/>
+            <a:endParaRPr kumimoji="1" lang="en-US" altLang="ja-JP" sz="1400" dirty="0"/>
           </a:p>
         </p:txBody>
       </p:sp>
